--- a/diagrams/neo-charm-2-0-8.pptx
+++ b/diagrams/neo-charm-2-0-8.pptx
@@ -7,6 +7,7 @@
   <p:sldIdLst>
     <p:sldId id="259" r:id="rId2"/>
     <p:sldId id="260" r:id="rId3"/>
+    <p:sldId id="261" r:id="rId4"/>
   </p:sldIdLst>
   <p:sldSz cx="12192000" cy="6858000"/>
   <p:notesSz cx="6858000" cy="9144000"/>
@@ -262,7 +263,7 @@
           <a:p>
             <a:fld id="{6D4529FC-AAC9-4C0D-A757-B06A5B751C9A}" type="datetimeFigureOut">
               <a:rPr lang="en-CA" smtClean="0"/>
-              <a:t>2018-04-09</a:t>
+              <a:t>2018-04-12</a:t>
             </a:fld>
             <a:endParaRPr lang="en-CA"/>
           </a:p>
@@ -462,7 +463,7 @@
           <a:p>
             <a:fld id="{6D4529FC-AAC9-4C0D-A757-B06A5B751C9A}" type="datetimeFigureOut">
               <a:rPr lang="en-CA" smtClean="0"/>
-              <a:t>2018-04-09</a:t>
+              <a:t>2018-04-12</a:t>
             </a:fld>
             <a:endParaRPr lang="en-CA"/>
           </a:p>
@@ -672,7 +673,7 @@
           <a:p>
             <a:fld id="{6D4529FC-AAC9-4C0D-A757-B06A5B751C9A}" type="datetimeFigureOut">
               <a:rPr lang="en-CA" smtClean="0"/>
-              <a:t>2018-04-09</a:t>
+              <a:t>2018-04-12</a:t>
             </a:fld>
             <a:endParaRPr lang="en-CA"/>
           </a:p>
@@ -872,7 +873,7 @@
           <a:p>
             <a:fld id="{6D4529FC-AAC9-4C0D-A757-B06A5B751C9A}" type="datetimeFigureOut">
               <a:rPr lang="en-CA" smtClean="0"/>
-              <a:t>2018-04-09</a:t>
+              <a:t>2018-04-12</a:t>
             </a:fld>
             <a:endParaRPr lang="en-CA"/>
           </a:p>
@@ -1148,7 +1149,7 @@
           <a:p>
             <a:fld id="{6D4529FC-AAC9-4C0D-A757-B06A5B751C9A}" type="datetimeFigureOut">
               <a:rPr lang="en-CA" smtClean="0"/>
-              <a:t>2018-04-09</a:t>
+              <a:t>2018-04-12</a:t>
             </a:fld>
             <a:endParaRPr lang="en-CA"/>
           </a:p>
@@ -1416,7 +1417,7 @@
           <a:p>
             <a:fld id="{6D4529FC-AAC9-4C0D-A757-B06A5B751C9A}" type="datetimeFigureOut">
               <a:rPr lang="en-CA" smtClean="0"/>
-              <a:t>2018-04-09</a:t>
+              <a:t>2018-04-12</a:t>
             </a:fld>
             <a:endParaRPr lang="en-CA"/>
           </a:p>
@@ -1831,7 +1832,7 @@
           <a:p>
             <a:fld id="{6D4529FC-AAC9-4C0D-A757-B06A5B751C9A}" type="datetimeFigureOut">
               <a:rPr lang="en-CA" smtClean="0"/>
-              <a:t>2018-04-09</a:t>
+              <a:t>2018-04-12</a:t>
             </a:fld>
             <a:endParaRPr lang="en-CA"/>
           </a:p>
@@ -1973,7 +1974,7 @@
           <a:p>
             <a:fld id="{6D4529FC-AAC9-4C0D-A757-B06A5B751C9A}" type="datetimeFigureOut">
               <a:rPr lang="en-CA" smtClean="0"/>
-              <a:t>2018-04-09</a:t>
+              <a:t>2018-04-12</a:t>
             </a:fld>
             <a:endParaRPr lang="en-CA"/>
           </a:p>
@@ -2086,7 +2087,7 @@
           <a:p>
             <a:fld id="{6D4529FC-AAC9-4C0D-A757-B06A5B751C9A}" type="datetimeFigureOut">
               <a:rPr lang="en-CA" smtClean="0"/>
-              <a:t>2018-04-09</a:t>
+              <a:t>2018-04-12</a:t>
             </a:fld>
             <a:endParaRPr lang="en-CA"/>
           </a:p>
@@ -2399,7 +2400,7 @@
           <a:p>
             <a:fld id="{6D4529FC-AAC9-4C0D-A757-B06A5B751C9A}" type="datetimeFigureOut">
               <a:rPr lang="en-CA" smtClean="0"/>
-              <a:t>2018-04-09</a:t>
+              <a:t>2018-04-12</a:t>
             </a:fld>
             <a:endParaRPr lang="en-CA"/>
           </a:p>
@@ -2688,7 +2689,7 @@
           <a:p>
             <a:fld id="{6D4529FC-AAC9-4C0D-A757-B06A5B751C9A}" type="datetimeFigureOut">
               <a:rPr lang="en-CA" smtClean="0"/>
-              <a:t>2018-04-09</a:t>
+              <a:t>2018-04-12</a:t>
             </a:fld>
             <a:endParaRPr lang="en-CA"/>
           </a:p>
@@ -2931,7 +2932,7 @@
           <a:p>
             <a:fld id="{6D4529FC-AAC9-4C0D-A757-B06A5B751C9A}" type="datetimeFigureOut">
               <a:rPr lang="en-CA" smtClean="0"/>
-              <a:t>2018-04-09</a:t>
+              <a:t>2018-04-12</a:t>
             </a:fld>
             <a:endParaRPr lang="en-CA"/>
           </a:p>
@@ -5515,6 +5516,138 @@
 </p:sld>
 </file>
 
+<file path=ppt/slides/slide3.xml><?xml version="1.0" encoding="utf-8"?>
+<p:sld xmlns:a="http://schemas.openxmlformats.org/drawingml/2006/main" xmlns:r="http://schemas.openxmlformats.org/officeDocument/2006/relationships" xmlns:p="http://schemas.openxmlformats.org/presentationml/2006/main">
+  <p:cSld>
+    <p:spTree>
+      <p:nvGrpSpPr>
+        <p:cNvPr id="1" name=""/>
+        <p:cNvGrpSpPr/>
+        <p:nvPr/>
+      </p:nvGrpSpPr>
+      <p:grpSpPr>
+        <a:xfrm>
+          <a:off x="0" y="0"/>
+          <a:ext cx="0" cy="0"/>
+          <a:chOff x="0" y="0"/>
+          <a:chExt cx="0" cy="0"/>
+        </a:xfrm>
+      </p:grpSpPr>
+      <p:pic>
+        <p:nvPicPr>
+          <p:cNvPr id="2" name="Picture 1">
+            <a:extLst>
+              <a:ext uri="{FF2B5EF4-FFF2-40B4-BE49-F238E27FC236}">
+                <a16:creationId xmlns:a16="http://schemas.microsoft.com/office/drawing/2014/main" id="{1A63EEFB-8B4D-4DD6-AD81-60E16461CEDC}"/>
+              </a:ext>
+            </a:extLst>
+          </p:cNvPr>
+          <p:cNvPicPr>
+            <a:picLocks noChangeAspect="1"/>
+          </p:cNvPicPr>
+          <p:nvPr/>
+        </p:nvPicPr>
+        <p:blipFill>
+          <a:blip r:embed="rId2"/>
+          <a:stretch>
+            <a:fillRect/>
+          </a:stretch>
+        </p:blipFill>
+        <p:spPr>
+          <a:xfrm>
+            <a:off x="10568" y="0"/>
+            <a:ext cx="5370013" cy="6858000"/>
+          </a:xfrm>
+          <a:prstGeom prst="rect">
+            <a:avLst/>
+          </a:prstGeom>
+        </p:spPr>
+      </p:pic>
+      <p:sp>
+        <p:nvSpPr>
+          <p:cNvPr id="3" name="TextBox 2">
+            <a:extLst>
+              <a:ext uri="{FF2B5EF4-FFF2-40B4-BE49-F238E27FC236}">
+                <a16:creationId xmlns:a16="http://schemas.microsoft.com/office/drawing/2014/main" id="{5A8FE7F0-DA62-4ABF-BF11-48A4DE0F1D4C}"/>
+              </a:ext>
+            </a:extLst>
+          </p:cNvPr>
+          <p:cNvSpPr txBox="1"/>
+          <p:nvPr/>
+        </p:nvSpPr>
+        <p:spPr>
+          <a:xfrm>
+            <a:off x="104775" y="3438525"/>
+            <a:ext cx="1571625" cy="369332"/>
+          </a:xfrm>
+          <a:prstGeom prst="rect">
+            <a:avLst/>
+          </a:prstGeom>
+          <a:noFill/>
+        </p:spPr>
+        <p:txBody>
+          <a:bodyPr wrap="square" rtlCol="0">
+            <a:spAutoFit/>
+          </a:bodyPr>
+          <a:lstStyle/>
+          <a:p>
+            <a:pPr algn="ctr"/>
+            <a:r>
+              <a:rPr lang="en-CA" dirty="0"/>
+              <a:t>NEO</a:t>
+            </a:r>
+          </a:p>
+        </p:txBody>
+      </p:sp>
+      <p:sp>
+        <p:nvSpPr>
+          <p:cNvPr id="4" name="TextBox 3">
+            <a:extLst>
+              <a:ext uri="{FF2B5EF4-FFF2-40B4-BE49-F238E27FC236}">
+                <a16:creationId xmlns:a16="http://schemas.microsoft.com/office/drawing/2014/main" id="{0300AD97-34F2-49D2-99FE-E302A980CE2B}"/>
+              </a:ext>
+            </a:extLst>
+          </p:cNvPr>
+          <p:cNvSpPr txBox="1"/>
+          <p:nvPr/>
+        </p:nvSpPr>
+        <p:spPr>
+          <a:xfrm>
+            <a:off x="3752850" y="3436382"/>
+            <a:ext cx="1571625" cy="369332"/>
+          </a:xfrm>
+          <a:prstGeom prst="rect">
+            <a:avLst/>
+          </a:prstGeom>
+          <a:noFill/>
+        </p:spPr>
+        <p:txBody>
+          <a:bodyPr wrap="square" rtlCol="0">
+            <a:spAutoFit/>
+          </a:bodyPr>
+          <a:lstStyle/>
+          <a:p>
+            <a:pPr algn="ctr"/>
+            <a:r>
+              <a:rPr lang="en-CA" dirty="0"/>
+              <a:t>Ethereum</a:t>
+            </a:r>
+          </a:p>
+        </p:txBody>
+      </p:sp>
+    </p:spTree>
+    <p:extLst>
+      <p:ext uri="{BB962C8B-B14F-4D97-AF65-F5344CB8AC3E}">
+        <p14:creationId xmlns:p14="http://schemas.microsoft.com/office/powerpoint/2010/main" val="1902296100"/>
+      </p:ext>
+    </p:extLst>
+  </p:cSld>
+  <p:clrMapOvr>
+    <a:masterClrMapping/>
+  </p:clrMapOvr>
+</p:sld>
+</file>
+
 <file path=ppt/theme/theme1.xml><?xml version="1.0" encoding="utf-8"?>
 <a:theme xmlns:a="http://schemas.openxmlformats.org/drawingml/2006/main" name="Office Theme">
   <a:themeElements>

--- a/diagrams/neo-charm-2-0-8.pptx
+++ b/diagrams/neo-charm-2-0-8.pptx
@@ -8,6 +8,7 @@
     <p:sldId id="259" r:id="rId2"/>
     <p:sldId id="260" r:id="rId3"/>
     <p:sldId id="261" r:id="rId4"/>
+    <p:sldId id="262" r:id="rId5"/>
   </p:sldIdLst>
   <p:sldSz cx="12192000" cy="6858000"/>
   <p:notesSz cx="6858000" cy="9144000"/>
@@ -263,7 +264,7 @@
           <a:p>
             <a:fld id="{6D4529FC-AAC9-4C0D-A757-B06A5B751C9A}" type="datetimeFigureOut">
               <a:rPr lang="en-CA" smtClean="0"/>
-              <a:t>2018-04-12</a:t>
+              <a:t>2018-04-19</a:t>
             </a:fld>
             <a:endParaRPr lang="en-CA"/>
           </a:p>
@@ -463,7 +464,7 @@
           <a:p>
             <a:fld id="{6D4529FC-AAC9-4C0D-A757-B06A5B751C9A}" type="datetimeFigureOut">
               <a:rPr lang="en-CA" smtClean="0"/>
-              <a:t>2018-04-12</a:t>
+              <a:t>2018-04-19</a:t>
             </a:fld>
             <a:endParaRPr lang="en-CA"/>
           </a:p>
@@ -673,7 +674,7 @@
           <a:p>
             <a:fld id="{6D4529FC-AAC9-4C0D-A757-B06A5B751C9A}" type="datetimeFigureOut">
               <a:rPr lang="en-CA" smtClean="0"/>
-              <a:t>2018-04-12</a:t>
+              <a:t>2018-04-19</a:t>
             </a:fld>
             <a:endParaRPr lang="en-CA"/>
           </a:p>
@@ -873,7 +874,7 @@
           <a:p>
             <a:fld id="{6D4529FC-AAC9-4C0D-A757-B06A5B751C9A}" type="datetimeFigureOut">
               <a:rPr lang="en-CA" smtClean="0"/>
-              <a:t>2018-04-12</a:t>
+              <a:t>2018-04-19</a:t>
             </a:fld>
             <a:endParaRPr lang="en-CA"/>
           </a:p>
@@ -1149,7 +1150,7 @@
           <a:p>
             <a:fld id="{6D4529FC-AAC9-4C0D-A757-B06A5B751C9A}" type="datetimeFigureOut">
               <a:rPr lang="en-CA" smtClean="0"/>
-              <a:t>2018-04-12</a:t>
+              <a:t>2018-04-19</a:t>
             </a:fld>
             <a:endParaRPr lang="en-CA"/>
           </a:p>
@@ -1417,7 +1418,7 @@
           <a:p>
             <a:fld id="{6D4529FC-AAC9-4C0D-A757-B06A5B751C9A}" type="datetimeFigureOut">
               <a:rPr lang="en-CA" smtClean="0"/>
-              <a:t>2018-04-12</a:t>
+              <a:t>2018-04-19</a:t>
             </a:fld>
             <a:endParaRPr lang="en-CA"/>
           </a:p>
@@ -1832,7 +1833,7 @@
           <a:p>
             <a:fld id="{6D4529FC-AAC9-4C0D-A757-B06A5B751C9A}" type="datetimeFigureOut">
               <a:rPr lang="en-CA" smtClean="0"/>
-              <a:t>2018-04-12</a:t>
+              <a:t>2018-04-19</a:t>
             </a:fld>
             <a:endParaRPr lang="en-CA"/>
           </a:p>
@@ -1974,7 +1975,7 @@
           <a:p>
             <a:fld id="{6D4529FC-AAC9-4C0D-A757-B06A5B751C9A}" type="datetimeFigureOut">
               <a:rPr lang="en-CA" smtClean="0"/>
-              <a:t>2018-04-12</a:t>
+              <a:t>2018-04-19</a:t>
             </a:fld>
             <a:endParaRPr lang="en-CA"/>
           </a:p>
@@ -2087,7 +2088,7 @@
           <a:p>
             <a:fld id="{6D4529FC-AAC9-4C0D-A757-B06A5B751C9A}" type="datetimeFigureOut">
               <a:rPr lang="en-CA" smtClean="0"/>
-              <a:t>2018-04-12</a:t>
+              <a:t>2018-04-19</a:t>
             </a:fld>
             <a:endParaRPr lang="en-CA"/>
           </a:p>
@@ -2400,7 +2401,7 @@
           <a:p>
             <a:fld id="{6D4529FC-AAC9-4C0D-A757-B06A5B751C9A}" type="datetimeFigureOut">
               <a:rPr lang="en-CA" smtClean="0"/>
-              <a:t>2018-04-12</a:t>
+              <a:t>2018-04-19</a:t>
             </a:fld>
             <a:endParaRPr lang="en-CA"/>
           </a:p>
@@ -2689,7 +2690,7 @@
           <a:p>
             <a:fld id="{6D4529FC-AAC9-4C0D-A757-B06A5B751C9A}" type="datetimeFigureOut">
               <a:rPr lang="en-CA" smtClean="0"/>
-              <a:t>2018-04-12</a:t>
+              <a:t>2018-04-19</a:t>
             </a:fld>
             <a:endParaRPr lang="en-CA"/>
           </a:p>
@@ -2932,7 +2933,7 @@
           <a:p>
             <a:fld id="{6D4529FC-AAC9-4C0D-A757-B06A5B751C9A}" type="datetimeFigureOut">
               <a:rPr lang="en-CA" smtClean="0"/>
-              <a:t>2018-04-12</a:t>
+              <a:t>2018-04-19</a:t>
             </a:fld>
             <a:endParaRPr lang="en-CA"/>
           </a:p>
@@ -5648,6 +5649,752 @@
 </p:sld>
 </file>
 
+<file path=ppt/slides/slide4.xml><?xml version="1.0" encoding="utf-8"?>
+<p:sld xmlns:a="http://schemas.openxmlformats.org/drawingml/2006/main" xmlns:r="http://schemas.openxmlformats.org/officeDocument/2006/relationships" xmlns:p="http://schemas.openxmlformats.org/presentationml/2006/main">
+  <p:cSld>
+    <p:spTree>
+      <p:nvGrpSpPr>
+        <p:cNvPr id="1" name=""/>
+        <p:cNvGrpSpPr/>
+        <p:nvPr/>
+      </p:nvGrpSpPr>
+      <p:grpSpPr>
+        <a:xfrm>
+          <a:off x="0" y="0"/>
+          <a:ext cx="0" cy="0"/>
+          <a:chOff x="0" y="0"/>
+          <a:chExt cx="0" cy="0"/>
+        </a:xfrm>
+      </p:grpSpPr>
+      <p:pic>
+        <p:nvPicPr>
+          <p:cNvPr id="3" name="Picture 2">
+            <a:extLst>
+              <a:ext uri="{FF2B5EF4-FFF2-40B4-BE49-F238E27FC236}">
+                <a16:creationId xmlns:a16="http://schemas.microsoft.com/office/drawing/2014/main" id="{C3A5AB6A-ABAD-4F39-8CDD-DAC26DD6BF9A}"/>
+              </a:ext>
+            </a:extLst>
+          </p:cNvPr>
+          <p:cNvPicPr>
+            <a:picLocks noChangeAspect="1"/>
+          </p:cNvPicPr>
+          <p:nvPr/>
+        </p:nvPicPr>
+        <p:blipFill>
+          <a:blip r:embed="rId2"/>
+          <a:stretch>
+            <a:fillRect/>
+          </a:stretch>
+        </p:blipFill>
+        <p:spPr>
+          <a:xfrm>
+            <a:off x="-1" y="0"/>
+            <a:ext cx="8379740" cy="6840000"/>
+          </a:xfrm>
+          <a:prstGeom prst="rect">
+            <a:avLst/>
+          </a:prstGeom>
+        </p:spPr>
+      </p:pic>
+      <p:sp>
+        <p:nvSpPr>
+          <p:cNvPr id="4" name="Oval 3">
+            <a:extLst>
+              <a:ext uri="{FF2B5EF4-FFF2-40B4-BE49-F238E27FC236}">
+                <a16:creationId xmlns:a16="http://schemas.microsoft.com/office/drawing/2014/main" id="{90FDF6F6-FAAF-47E0-B9E6-82A125728A77}"/>
+              </a:ext>
+            </a:extLst>
+          </p:cNvPr>
+          <p:cNvSpPr/>
+          <p:nvPr/>
+        </p:nvSpPr>
+        <p:spPr>
+          <a:xfrm>
+            <a:off x="211773" y="6189325"/>
+            <a:ext cx="254524" cy="254524"/>
+          </a:xfrm>
+          <a:prstGeom prst="ellipse">
+            <a:avLst/>
+          </a:prstGeom>
+        </p:spPr>
+        <p:style>
+          <a:lnRef idx="2">
+            <a:schemeClr val="accent1">
+              <a:shade val="50000"/>
+            </a:schemeClr>
+          </a:lnRef>
+          <a:fillRef idx="1">
+            <a:schemeClr val="accent1"/>
+          </a:fillRef>
+          <a:effectRef idx="0">
+            <a:schemeClr val="accent1"/>
+          </a:effectRef>
+          <a:fontRef idx="minor">
+            <a:schemeClr val="lt1"/>
+          </a:fontRef>
+        </p:style>
+        <p:txBody>
+          <a:bodyPr rtlCol="0" anchor="ctr"/>
+          <a:lstStyle/>
+          <a:p>
+            <a:pPr algn="ctr"/>
+            <a:r>
+              <a:rPr lang="en-CA" sz="1400" b="1" dirty="0"/>
+              <a:t>A</a:t>
+            </a:r>
+          </a:p>
+        </p:txBody>
+      </p:sp>
+      <p:sp>
+        <p:nvSpPr>
+          <p:cNvPr id="5" name="Oval 4">
+            <a:extLst>
+              <a:ext uri="{FF2B5EF4-FFF2-40B4-BE49-F238E27FC236}">
+                <a16:creationId xmlns:a16="http://schemas.microsoft.com/office/drawing/2014/main" id="{8AF59A7B-8720-400A-A63F-B79597CD8FE1}"/>
+              </a:ext>
+            </a:extLst>
+          </p:cNvPr>
+          <p:cNvSpPr/>
+          <p:nvPr/>
+        </p:nvSpPr>
+        <p:spPr>
+          <a:xfrm>
+            <a:off x="3058557" y="4038477"/>
+            <a:ext cx="254524" cy="254524"/>
+          </a:xfrm>
+          <a:prstGeom prst="ellipse">
+            <a:avLst/>
+          </a:prstGeom>
+        </p:spPr>
+        <p:style>
+          <a:lnRef idx="2">
+            <a:schemeClr val="accent1">
+              <a:shade val="50000"/>
+            </a:schemeClr>
+          </a:lnRef>
+          <a:fillRef idx="1">
+            <a:schemeClr val="accent1"/>
+          </a:fillRef>
+          <a:effectRef idx="0">
+            <a:schemeClr val="accent1"/>
+          </a:effectRef>
+          <a:fontRef idx="minor">
+            <a:schemeClr val="lt1"/>
+          </a:fontRef>
+        </p:style>
+        <p:txBody>
+          <a:bodyPr rtlCol="0" anchor="ctr"/>
+          <a:lstStyle/>
+          <a:p>
+            <a:pPr algn="ctr"/>
+            <a:r>
+              <a:rPr lang="en-CA" sz="1400" b="1" dirty="0"/>
+              <a:t>C</a:t>
+            </a:r>
+          </a:p>
+        </p:txBody>
+      </p:sp>
+      <p:sp>
+        <p:nvSpPr>
+          <p:cNvPr id="6" name="Oval 5">
+            <a:extLst>
+              <a:ext uri="{FF2B5EF4-FFF2-40B4-BE49-F238E27FC236}">
+                <a16:creationId xmlns:a16="http://schemas.microsoft.com/office/drawing/2014/main" id="{469776BA-180F-462A-9C19-E960C8D2CCA2}"/>
+              </a:ext>
+            </a:extLst>
+          </p:cNvPr>
+          <p:cNvSpPr/>
+          <p:nvPr/>
+        </p:nvSpPr>
+        <p:spPr>
+          <a:xfrm>
+            <a:off x="3067108" y="4898378"/>
+            <a:ext cx="254524" cy="254524"/>
+          </a:xfrm>
+          <a:prstGeom prst="ellipse">
+            <a:avLst/>
+          </a:prstGeom>
+        </p:spPr>
+        <p:style>
+          <a:lnRef idx="2">
+            <a:schemeClr val="accent1">
+              <a:shade val="50000"/>
+            </a:schemeClr>
+          </a:lnRef>
+          <a:fillRef idx="1">
+            <a:schemeClr val="accent1"/>
+          </a:fillRef>
+          <a:effectRef idx="0">
+            <a:schemeClr val="accent1"/>
+          </a:effectRef>
+          <a:fontRef idx="minor">
+            <a:schemeClr val="lt1"/>
+          </a:fontRef>
+        </p:style>
+        <p:txBody>
+          <a:bodyPr rtlCol="0" anchor="ctr"/>
+          <a:lstStyle/>
+          <a:p>
+            <a:pPr algn="ctr"/>
+            <a:r>
+              <a:rPr lang="en-CA" sz="1400" b="1" dirty="0"/>
+              <a:t>B</a:t>
+            </a:r>
+          </a:p>
+        </p:txBody>
+      </p:sp>
+      <p:sp>
+        <p:nvSpPr>
+          <p:cNvPr id="7" name="Oval 6">
+            <a:extLst>
+              <a:ext uri="{FF2B5EF4-FFF2-40B4-BE49-F238E27FC236}">
+                <a16:creationId xmlns:a16="http://schemas.microsoft.com/office/drawing/2014/main" id="{061B7410-6415-4976-AC25-EA74008E8767}"/>
+              </a:ext>
+            </a:extLst>
+          </p:cNvPr>
+          <p:cNvSpPr/>
+          <p:nvPr/>
+        </p:nvSpPr>
+        <p:spPr>
+          <a:xfrm>
+            <a:off x="211773" y="687725"/>
+            <a:ext cx="254524" cy="254524"/>
+          </a:xfrm>
+          <a:prstGeom prst="ellipse">
+            <a:avLst/>
+          </a:prstGeom>
+        </p:spPr>
+        <p:style>
+          <a:lnRef idx="2">
+            <a:schemeClr val="accent1">
+              <a:shade val="50000"/>
+            </a:schemeClr>
+          </a:lnRef>
+          <a:fillRef idx="1">
+            <a:schemeClr val="accent1"/>
+          </a:fillRef>
+          <a:effectRef idx="0">
+            <a:schemeClr val="accent1"/>
+          </a:effectRef>
+          <a:fontRef idx="minor">
+            <a:schemeClr val="lt1"/>
+          </a:fontRef>
+        </p:style>
+        <p:txBody>
+          <a:bodyPr rtlCol="0" anchor="ctr"/>
+          <a:lstStyle/>
+          <a:p>
+            <a:pPr algn="ctr"/>
+            <a:r>
+              <a:rPr lang="en-CA" sz="1400" b="1" dirty="0"/>
+              <a:t>D</a:t>
+            </a:r>
+          </a:p>
+        </p:txBody>
+      </p:sp>
+      <p:sp>
+        <p:nvSpPr>
+          <p:cNvPr id="8" name="Oval 7">
+            <a:extLst>
+              <a:ext uri="{FF2B5EF4-FFF2-40B4-BE49-F238E27FC236}">
+                <a16:creationId xmlns:a16="http://schemas.microsoft.com/office/drawing/2014/main" id="{C75C9D47-9684-4F8E-8925-6C481A2A1C65}"/>
+              </a:ext>
+            </a:extLst>
+          </p:cNvPr>
+          <p:cNvSpPr/>
+          <p:nvPr/>
+        </p:nvSpPr>
+        <p:spPr>
+          <a:xfrm>
+            <a:off x="466297" y="2720726"/>
+            <a:ext cx="254524" cy="254524"/>
+          </a:xfrm>
+          <a:prstGeom prst="ellipse">
+            <a:avLst/>
+          </a:prstGeom>
+        </p:spPr>
+        <p:style>
+          <a:lnRef idx="2">
+            <a:schemeClr val="accent1">
+              <a:shade val="50000"/>
+            </a:schemeClr>
+          </a:lnRef>
+          <a:fillRef idx="1">
+            <a:schemeClr val="accent1"/>
+          </a:fillRef>
+          <a:effectRef idx="0">
+            <a:schemeClr val="accent1"/>
+          </a:effectRef>
+          <a:fontRef idx="minor">
+            <a:schemeClr val="lt1"/>
+          </a:fontRef>
+        </p:style>
+        <p:txBody>
+          <a:bodyPr rtlCol="0" anchor="ctr"/>
+          <a:lstStyle/>
+          <a:p>
+            <a:pPr algn="ctr"/>
+            <a:r>
+              <a:rPr lang="en-CA" sz="1400" b="1" dirty="0"/>
+              <a:t>E</a:t>
+            </a:r>
+          </a:p>
+        </p:txBody>
+      </p:sp>
+      <p:sp>
+        <p:nvSpPr>
+          <p:cNvPr id="9" name="Oval 8">
+            <a:extLst>
+              <a:ext uri="{FF2B5EF4-FFF2-40B4-BE49-F238E27FC236}">
+                <a16:creationId xmlns:a16="http://schemas.microsoft.com/office/drawing/2014/main" id="{598EF21D-EE12-4AB0-BEC5-919B175866C7}"/>
+              </a:ext>
+            </a:extLst>
+          </p:cNvPr>
+          <p:cNvSpPr/>
+          <p:nvPr/>
+        </p:nvSpPr>
+        <p:spPr>
+          <a:xfrm>
+            <a:off x="469449" y="1613365"/>
+            <a:ext cx="254524" cy="254524"/>
+          </a:xfrm>
+          <a:prstGeom prst="ellipse">
+            <a:avLst/>
+          </a:prstGeom>
+        </p:spPr>
+        <p:style>
+          <a:lnRef idx="2">
+            <a:schemeClr val="accent1">
+              <a:shade val="50000"/>
+            </a:schemeClr>
+          </a:lnRef>
+          <a:fillRef idx="1">
+            <a:schemeClr val="accent1"/>
+          </a:fillRef>
+          <a:effectRef idx="0">
+            <a:schemeClr val="accent1"/>
+          </a:effectRef>
+          <a:fontRef idx="minor">
+            <a:schemeClr val="lt1"/>
+          </a:fontRef>
+        </p:style>
+        <p:txBody>
+          <a:bodyPr rtlCol="0" anchor="ctr"/>
+          <a:lstStyle/>
+          <a:p>
+            <a:pPr algn="ctr"/>
+            <a:r>
+              <a:rPr lang="en-CA" sz="1400" b="1" dirty="0"/>
+              <a:t>F</a:t>
+            </a:r>
+          </a:p>
+        </p:txBody>
+      </p:sp>
+      <p:sp>
+        <p:nvSpPr>
+          <p:cNvPr id="10" name="Oval 9">
+            <a:extLst>
+              <a:ext uri="{FF2B5EF4-FFF2-40B4-BE49-F238E27FC236}">
+                <a16:creationId xmlns:a16="http://schemas.microsoft.com/office/drawing/2014/main" id="{D5049B7D-355B-40D9-AA64-141C0217947E}"/>
+              </a:ext>
+            </a:extLst>
+          </p:cNvPr>
+          <p:cNvSpPr/>
+          <p:nvPr/>
+        </p:nvSpPr>
+        <p:spPr>
+          <a:xfrm>
+            <a:off x="3901798" y="687725"/>
+            <a:ext cx="254524" cy="254524"/>
+          </a:xfrm>
+          <a:prstGeom prst="ellipse">
+            <a:avLst/>
+          </a:prstGeom>
+        </p:spPr>
+        <p:style>
+          <a:lnRef idx="2">
+            <a:schemeClr val="accent1">
+              <a:shade val="50000"/>
+            </a:schemeClr>
+          </a:lnRef>
+          <a:fillRef idx="1">
+            <a:schemeClr val="accent1"/>
+          </a:fillRef>
+          <a:effectRef idx="0">
+            <a:schemeClr val="accent1"/>
+          </a:effectRef>
+          <a:fontRef idx="minor">
+            <a:schemeClr val="lt1"/>
+          </a:fontRef>
+        </p:style>
+        <p:txBody>
+          <a:bodyPr rtlCol="0" anchor="ctr"/>
+          <a:lstStyle/>
+          <a:p>
+            <a:pPr algn="ctr"/>
+            <a:r>
+              <a:rPr lang="en-CA" sz="1400" b="1" dirty="0"/>
+              <a:t>G</a:t>
+            </a:r>
+          </a:p>
+        </p:txBody>
+      </p:sp>
+      <p:sp>
+        <p:nvSpPr>
+          <p:cNvPr id="11" name="Oval 10">
+            <a:extLst>
+              <a:ext uri="{FF2B5EF4-FFF2-40B4-BE49-F238E27FC236}">
+                <a16:creationId xmlns:a16="http://schemas.microsoft.com/office/drawing/2014/main" id="{8F0BE9DA-73AA-4633-A0C4-C3332D18F2C6}"/>
+              </a:ext>
+            </a:extLst>
+          </p:cNvPr>
+          <p:cNvSpPr/>
+          <p:nvPr/>
+        </p:nvSpPr>
+        <p:spPr>
+          <a:xfrm>
+            <a:off x="4375948" y="2720726"/>
+            <a:ext cx="254524" cy="254524"/>
+          </a:xfrm>
+          <a:prstGeom prst="ellipse">
+            <a:avLst/>
+          </a:prstGeom>
+        </p:spPr>
+        <p:style>
+          <a:lnRef idx="2">
+            <a:schemeClr val="accent1">
+              <a:shade val="50000"/>
+            </a:schemeClr>
+          </a:lnRef>
+          <a:fillRef idx="1">
+            <a:schemeClr val="accent1"/>
+          </a:fillRef>
+          <a:effectRef idx="0">
+            <a:schemeClr val="accent1"/>
+          </a:effectRef>
+          <a:fontRef idx="minor">
+            <a:schemeClr val="lt1"/>
+          </a:fontRef>
+        </p:style>
+        <p:txBody>
+          <a:bodyPr rtlCol="0" anchor="ctr"/>
+          <a:lstStyle/>
+          <a:p>
+            <a:pPr algn="ctr"/>
+            <a:r>
+              <a:rPr lang="en-CA" sz="1400" b="1" dirty="0"/>
+              <a:t>H</a:t>
+            </a:r>
+          </a:p>
+        </p:txBody>
+      </p:sp>
+      <p:sp>
+        <p:nvSpPr>
+          <p:cNvPr id="12" name="Oval 11">
+            <a:extLst>
+              <a:ext uri="{FF2B5EF4-FFF2-40B4-BE49-F238E27FC236}">
+                <a16:creationId xmlns:a16="http://schemas.microsoft.com/office/drawing/2014/main" id="{71A2B417-E720-4A85-98EB-417B2D524861}"/>
+              </a:ext>
+            </a:extLst>
+          </p:cNvPr>
+          <p:cNvSpPr/>
+          <p:nvPr/>
+        </p:nvSpPr>
+        <p:spPr>
+          <a:xfrm>
+            <a:off x="4375948" y="1613365"/>
+            <a:ext cx="254524" cy="254524"/>
+          </a:xfrm>
+          <a:prstGeom prst="ellipse">
+            <a:avLst/>
+          </a:prstGeom>
+        </p:spPr>
+        <p:style>
+          <a:lnRef idx="2">
+            <a:schemeClr val="accent1">
+              <a:shade val="50000"/>
+            </a:schemeClr>
+          </a:lnRef>
+          <a:fillRef idx="1">
+            <a:schemeClr val="accent1"/>
+          </a:fillRef>
+          <a:effectRef idx="0">
+            <a:schemeClr val="accent1"/>
+          </a:effectRef>
+          <a:fontRef idx="minor">
+            <a:schemeClr val="lt1"/>
+          </a:fontRef>
+        </p:style>
+        <p:txBody>
+          <a:bodyPr rtlCol="0" anchor="ctr"/>
+          <a:lstStyle/>
+          <a:p>
+            <a:pPr algn="ctr"/>
+            <a:r>
+              <a:rPr lang="en-CA" sz="1400" b="1" dirty="0"/>
+              <a:t>I</a:t>
+            </a:r>
+          </a:p>
+        </p:txBody>
+      </p:sp>
+      <p:sp>
+        <p:nvSpPr>
+          <p:cNvPr id="13" name="Oval 12">
+            <a:extLst>
+              <a:ext uri="{FF2B5EF4-FFF2-40B4-BE49-F238E27FC236}">
+                <a16:creationId xmlns:a16="http://schemas.microsoft.com/office/drawing/2014/main" id="{0587B256-050B-4C98-BD2B-E7680490CC37}"/>
+              </a:ext>
+            </a:extLst>
+          </p:cNvPr>
+          <p:cNvSpPr/>
+          <p:nvPr/>
+        </p:nvSpPr>
+        <p:spPr>
+          <a:xfrm>
+            <a:off x="6029325" y="4038477"/>
+            <a:ext cx="254524" cy="254524"/>
+          </a:xfrm>
+          <a:prstGeom prst="ellipse">
+            <a:avLst/>
+          </a:prstGeom>
+        </p:spPr>
+        <p:style>
+          <a:lnRef idx="2">
+            <a:schemeClr val="accent1">
+              <a:shade val="50000"/>
+            </a:schemeClr>
+          </a:lnRef>
+          <a:fillRef idx="1">
+            <a:schemeClr val="accent1"/>
+          </a:fillRef>
+          <a:effectRef idx="0">
+            <a:schemeClr val="accent1"/>
+          </a:effectRef>
+          <a:fontRef idx="minor">
+            <a:schemeClr val="lt1"/>
+          </a:fontRef>
+        </p:style>
+        <p:txBody>
+          <a:bodyPr rtlCol="0" anchor="ctr"/>
+          <a:lstStyle/>
+          <a:p>
+            <a:pPr algn="ctr"/>
+            <a:r>
+              <a:rPr lang="en-CA" sz="1400" b="1" dirty="0"/>
+              <a:t>J</a:t>
+            </a:r>
+          </a:p>
+        </p:txBody>
+      </p:sp>
+      <p:sp>
+        <p:nvSpPr>
+          <p:cNvPr id="16" name="Oval 15">
+            <a:extLst>
+              <a:ext uri="{FF2B5EF4-FFF2-40B4-BE49-F238E27FC236}">
+                <a16:creationId xmlns:a16="http://schemas.microsoft.com/office/drawing/2014/main" id="{C902BEA5-0DF4-4AFC-82C8-6DCA36402639}"/>
+              </a:ext>
+            </a:extLst>
+          </p:cNvPr>
+          <p:cNvSpPr/>
+          <p:nvPr/>
+        </p:nvSpPr>
+        <p:spPr>
+          <a:xfrm>
+            <a:off x="6029325" y="4898378"/>
+            <a:ext cx="254524" cy="254524"/>
+          </a:xfrm>
+          <a:prstGeom prst="ellipse">
+            <a:avLst/>
+          </a:prstGeom>
+        </p:spPr>
+        <p:style>
+          <a:lnRef idx="2">
+            <a:schemeClr val="accent1">
+              <a:shade val="50000"/>
+            </a:schemeClr>
+          </a:lnRef>
+          <a:fillRef idx="1">
+            <a:schemeClr val="accent1"/>
+          </a:fillRef>
+          <a:effectRef idx="0">
+            <a:schemeClr val="accent1"/>
+          </a:effectRef>
+          <a:fontRef idx="minor">
+            <a:schemeClr val="lt1"/>
+          </a:fontRef>
+        </p:style>
+        <p:txBody>
+          <a:bodyPr rtlCol="0" anchor="ctr"/>
+          <a:lstStyle/>
+          <a:p>
+            <a:pPr algn="ctr"/>
+            <a:r>
+              <a:rPr lang="en-CA" sz="1400" b="1" dirty="0"/>
+              <a:t>K</a:t>
+            </a:r>
+          </a:p>
+        </p:txBody>
+      </p:sp>
+      <p:sp>
+        <p:nvSpPr>
+          <p:cNvPr id="17" name="Oval 16">
+            <a:extLst>
+              <a:ext uri="{FF2B5EF4-FFF2-40B4-BE49-F238E27FC236}">
+                <a16:creationId xmlns:a16="http://schemas.microsoft.com/office/drawing/2014/main" id="{60CF20A3-26E2-4C20-80D2-7D2CAC47CF4E}"/>
+              </a:ext>
+            </a:extLst>
+          </p:cNvPr>
+          <p:cNvSpPr/>
+          <p:nvPr/>
+        </p:nvSpPr>
+        <p:spPr>
+          <a:xfrm>
+            <a:off x="9848792" y="2281494"/>
+            <a:ext cx="254524" cy="254524"/>
+          </a:xfrm>
+          <a:prstGeom prst="ellipse">
+            <a:avLst/>
+          </a:prstGeom>
+        </p:spPr>
+        <p:style>
+          <a:lnRef idx="2">
+            <a:schemeClr val="accent1">
+              <a:shade val="50000"/>
+            </a:schemeClr>
+          </a:lnRef>
+          <a:fillRef idx="1">
+            <a:schemeClr val="accent1"/>
+          </a:fillRef>
+          <a:effectRef idx="0">
+            <a:schemeClr val="accent1"/>
+          </a:effectRef>
+          <a:fontRef idx="minor">
+            <a:schemeClr val="lt1"/>
+          </a:fontRef>
+        </p:style>
+        <p:txBody>
+          <a:bodyPr rtlCol="0" anchor="ctr"/>
+          <a:lstStyle/>
+          <a:p>
+            <a:pPr algn="ctr"/>
+            <a:r>
+              <a:rPr lang="en-CA" sz="1400" b="1" dirty="0"/>
+              <a:t>L</a:t>
+            </a:r>
+          </a:p>
+        </p:txBody>
+      </p:sp>
+      <p:sp>
+        <p:nvSpPr>
+          <p:cNvPr id="18" name="Oval 17">
+            <a:extLst>
+              <a:ext uri="{FF2B5EF4-FFF2-40B4-BE49-F238E27FC236}">
+                <a16:creationId xmlns:a16="http://schemas.microsoft.com/office/drawing/2014/main" id="{A3136554-E6F0-443F-AE80-75E52DB54B51}"/>
+              </a:ext>
+            </a:extLst>
+          </p:cNvPr>
+          <p:cNvSpPr/>
+          <p:nvPr/>
+        </p:nvSpPr>
+        <p:spPr>
+          <a:xfrm>
+            <a:off x="9339371" y="3112147"/>
+            <a:ext cx="254524" cy="254524"/>
+          </a:xfrm>
+          <a:prstGeom prst="ellipse">
+            <a:avLst/>
+          </a:prstGeom>
+        </p:spPr>
+        <p:style>
+          <a:lnRef idx="2">
+            <a:schemeClr val="accent1">
+              <a:shade val="50000"/>
+            </a:schemeClr>
+          </a:lnRef>
+          <a:fillRef idx="1">
+            <a:schemeClr val="accent1"/>
+          </a:fillRef>
+          <a:effectRef idx="0">
+            <a:schemeClr val="accent1"/>
+          </a:effectRef>
+          <a:fontRef idx="minor">
+            <a:schemeClr val="lt1"/>
+          </a:fontRef>
+        </p:style>
+        <p:txBody>
+          <a:bodyPr rtlCol="0" anchor="ctr"/>
+          <a:lstStyle/>
+          <a:p>
+            <a:pPr algn="ctr"/>
+            <a:r>
+              <a:rPr lang="en-CA" sz="1400" b="1" dirty="0"/>
+              <a:t>M</a:t>
+            </a:r>
+          </a:p>
+        </p:txBody>
+      </p:sp>
+      <p:sp>
+        <p:nvSpPr>
+          <p:cNvPr id="19" name="Oval 18">
+            <a:extLst>
+              <a:ext uri="{FF2B5EF4-FFF2-40B4-BE49-F238E27FC236}">
+                <a16:creationId xmlns:a16="http://schemas.microsoft.com/office/drawing/2014/main" id="{8B0826C9-499A-494D-934E-E3C03A0789B6}"/>
+              </a:ext>
+            </a:extLst>
+          </p:cNvPr>
+          <p:cNvSpPr/>
+          <p:nvPr/>
+        </p:nvSpPr>
+        <p:spPr>
+          <a:xfrm>
+            <a:off x="10699149" y="2965843"/>
+            <a:ext cx="254524" cy="254524"/>
+          </a:xfrm>
+          <a:prstGeom prst="ellipse">
+            <a:avLst/>
+          </a:prstGeom>
+        </p:spPr>
+        <p:style>
+          <a:lnRef idx="2">
+            <a:schemeClr val="accent1">
+              <a:shade val="50000"/>
+            </a:schemeClr>
+          </a:lnRef>
+          <a:fillRef idx="1">
+            <a:schemeClr val="accent1"/>
+          </a:fillRef>
+          <a:effectRef idx="0">
+            <a:schemeClr val="accent1"/>
+          </a:effectRef>
+          <a:fontRef idx="minor">
+            <a:schemeClr val="lt1"/>
+          </a:fontRef>
+        </p:style>
+        <p:txBody>
+          <a:bodyPr rtlCol="0" anchor="ctr"/>
+          <a:lstStyle/>
+          <a:p>
+            <a:pPr algn="ctr"/>
+            <a:r>
+              <a:rPr lang="en-CA" sz="1400" b="1" dirty="0"/>
+              <a:t>N</a:t>
+            </a:r>
+          </a:p>
+        </p:txBody>
+      </p:sp>
+    </p:spTree>
+    <p:extLst>
+      <p:ext uri="{BB962C8B-B14F-4D97-AF65-F5344CB8AC3E}">
+        <p14:creationId xmlns:p14="http://schemas.microsoft.com/office/powerpoint/2010/main" val="3556656146"/>
+      </p:ext>
+    </p:extLst>
+  </p:cSld>
+  <p:clrMapOvr>
+    <a:masterClrMapping/>
+  </p:clrMapOvr>
+</p:sld>
+</file>
+
 <file path=ppt/theme/theme1.xml><?xml version="1.0" encoding="utf-8"?>
 <a:theme xmlns:a="http://schemas.openxmlformats.org/drawingml/2006/main" name="Office Theme">
   <a:themeElements>
